--- a/paxos/paxos-291.pptx
+++ b/paxos/paxos-291.pptx
@@ -288,7 +288,7 @@
           <a:p>
             <a:fld id="{6B2B4B71-9140-4B38-8FE9-F08556C51C98}" type="datetimeFigureOut">
               <a:rPr lang="en-US" smtClean="0"/>
-              <a:t>2/22/21</a:t>
+              <a:t>2/24/21</a:t>
             </a:fld>
             <a:endParaRPr lang="en-US"/>
           </a:p>
@@ -14246,90 +14246,6 @@
       </p:sp>
       <p:sp>
         <p:nvSpPr>
-          <p:cNvPr id="16" name="TextBox 15"/>
-          <p:cNvSpPr txBox="1"/>
-          <p:nvPr/>
-        </p:nvSpPr>
-        <p:spPr>
-          <a:xfrm>
-            <a:off x="381000" y="5978015"/>
-            <a:ext cx="8153400" cy="769441"/>
-          </a:xfrm>
-          <a:prstGeom prst="rect">
-            <a:avLst/>
-          </a:prstGeom>
-          <a:solidFill>
-            <a:schemeClr val="bg1"/>
-          </a:solidFill>
-        </p:spPr>
-        <p:txBody>
-          <a:bodyPr wrap="square" rtlCol="0">
-            <a:spAutoFit/>
-          </a:bodyPr>
-          <a:lstStyle/>
-          <a:p>
-            <a:pPr algn="l"/>
-            <a:r>
-              <a:rPr lang="en-US" sz="2200" b="1" dirty="0">
-                <a:solidFill>
-                  <a:schemeClr val="tx2"/>
-                </a:solidFill>
-              </a:rPr>
-              <a:t>Acceptors must record </a:t>
-            </a:r>
-            <a:r>
-              <a:rPr lang="en-US" sz="2200" b="1" dirty="0" err="1">
-                <a:solidFill>
-                  <a:schemeClr val="tx2"/>
-                </a:solidFill>
-              </a:rPr>
-              <a:t>minProposal</a:t>
-            </a:r>
-            <a:r>
-              <a:rPr lang="en-US" sz="2200" b="1" dirty="0">
-                <a:solidFill>
-                  <a:schemeClr val="tx2"/>
-                </a:solidFill>
-              </a:rPr>
-              <a:t>, </a:t>
-            </a:r>
-            <a:r>
-              <a:rPr lang="en-US" sz="2200" b="1" dirty="0" err="1">
-                <a:solidFill>
-                  <a:schemeClr val="tx2"/>
-                </a:solidFill>
-              </a:rPr>
-              <a:t>acceptedProposal</a:t>
-            </a:r>
-            <a:r>
-              <a:rPr lang="en-US" sz="2200" b="1" dirty="0">
-                <a:solidFill>
-                  <a:schemeClr val="tx2"/>
-                </a:solidFill>
-              </a:rPr>
-              <a:t>, and </a:t>
-            </a:r>
-            <a:r>
-              <a:rPr lang="en-US" sz="2200" b="1" dirty="0" err="1">
-                <a:solidFill>
-                  <a:schemeClr val="tx2"/>
-                </a:solidFill>
-              </a:rPr>
-              <a:t>acceptedValue</a:t>
-            </a:r>
-            <a:r>
-              <a:rPr lang="en-US" sz="2200" b="1" dirty="0">
-                <a:solidFill>
-                  <a:schemeClr val="tx2"/>
-                </a:solidFill>
-              </a:rPr>
-              <a:t> on stable storage (disk)</a:t>
-            </a:r>
-          </a:p>
-        </p:txBody>
-      </p:sp>
-      <p:sp>
-        <p:nvSpPr>
           <p:cNvPr id="7" name="Content Placeholder 6"/>
           <p:cNvSpPr>
             <a:spLocks noGrp="1"/>
@@ -14588,6 +14504,54 @@
               <a:t>Accept</a:t>
             </a:r>
             <a:endParaRPr lang="en-US" sz="3600" b="1" dirty="0"/>
+          </a:p>
+        </p:txBody>
+      </p:sp>
+      <p:sp>
+        <p:nvSpPr>
+          <p:cNvPr id="3" name="TextBox 2">
+            <a:extLst>
+              <a:ext uri="{FF2B5EF4-FFF2-40B4-BE49-F238E27FC236}">
+                <a16:creationId xmlns:a16="http://schemas.microsoft.com/office/drawing/2014/main" id="{08CAF393-15FC-334F-B61B-486F53EC6269}"/>
+              </a:ext>
+            </a:extLst>
+          </p:cNvPr>
+          <p:cNvSpPr txBox="1"/>
+          <p:nvPr/>
+        </p:nvSpPr>
+        <p:spPr>
+          <a:xfrm>
+            <a:off x="102704" y="990600"/>
+            <a:ext cx="990600" cy="369332"/>
+          </a:xfrm>
+          <a:prstGeom prst="rect">
+            <a:avLst/>
+          </a:prstGeom>
+          <a:noFill/>
+        </p:spPr>
+        <p:txBody>
+          <a:bodyPr wrap="square" rtlCol="0">
+            <a:spAutoFit/>
+          </a:bodyPr>
+          <a:lstStyle/>
+          <a:p>
+            <a:r>
+              <a:rPr lang="en-US" altLang="zh-CN" dirty="0">
+                <a:solidFill>
+                  <a:schemeClr val="accent3">
+                    <a:lumMod val="50000"/>
+                  </a:schemeClr>
+                </a:solidFill>
+              </a:rPr>
+              <a:t>Value</a:t>
+            </a:r>
+            <a:endParaRPr lang="en-US" dirty="0">
+              <a:solidFill>
+                <a:schemeClr val="accent3">
+                  <a:lumMod val="50000"/>
+                </a:schemeClr>
+              </a:solidFill>
+            </a:endParaRPr>
           </a:p>
         </p:txBody>
       </p:sp>
@@ -45301,6 +45265,386 @@
   <p:clrMapOvr>
     <a:masterClrMapping/>
   </p:clrMapOvr>
+  <p:timing>
+    <p:tnLst>
+      <p:par>
+        <p:cTn id="1" dur="indefinite" restart="never" nodeType="tmRoot">
+          <p:childTnLst>
+            <p:seq concurrent="1" nextAc="seek">
+              <p:cTn id="2" dur="indefinite" nodeType="mainSeq">
+                <p:childTnLst>
+                  <p:par>
+                    <p:cTn id="3" fill="hold">
+                      <p:stCondLst>
+                        <p:cond delay="indefinite"/>
+                      </p:stCondLst>
+                      <p:childTnLst>
+                        <p:par>
+                          <p:cTn id="4" fill="hold">
+                            <p:stCondLst>
+                              <p:cond delay="0"/>
+                            </p:stCondLst>
+                            <p:childTnLst>
+                              <p:par>
+                                <p:cTn id="5" presetID="1" presetClass="entr" presetSubtype="0" fill="hold" nodeType="clickEffect">
+                                  <p:stCondLst>
+                                    <p:cond delay="0"/>
+                                  </p:stCondLst>
+                                  <p:childTnLst>
+                                    <p:set>
+                                      <p:cBhvr>
+                                        <p:cTn id="6" dur="1" fill="hold">
+                                          <p:stCondLst>
+                                            <p:cond delay="0"/>
+                                          </p:stCondLst>
+                                        </p:cTn>
+                                        <p:tgtEl>
+                                          <p:spTgt spid="272"/>
+                                        </p:tgtEl>
+                                        <p:attrNameLst>
+                                          <p:attrName>style.visibility</p:attrName>
+                                        </p:attrNameLst>
+                                      </p:cBhvr>
+                                      <p:to>
+                                        <p:strVal val="visible"/>
+                                      </p:to>
+                                    </p:set>
+                                  </p:childTnLst>
+                                </p:cTn>
+                              </p:par>
+                            </p:childTnLst>
+                          </p:cTn>
+                        </p:par>
+                      </p:childTnLst>
+                    </p:cTn>
+                  </p:par>
+                  <p:par>
+                    <p:cTn id="7" fill="hold">
+                      <p:stCondLst>
+                        <p:cond delay="indefinite"/>
+                      </p:stCondLst>
+                      <p:childTnLst>
+                        <p:par>
+                          <p:cTn id="8" fill="hold">
+                            <p:stCondLst>
+                              <p:cond delay="0"/>
+                            </p:stCondLst>
+                            <p:childTnLst>
+                              <p:par>
+                                <p:cTn id="9" presetID="1" presetClass="entr" presetSubtype="0" fill="hold" grpId="0" nodeType="clickEffect">
+                                  <p:stCondLst>
+                                    <p:cond delay="0"/>
+                                  </p:stCondLst>
+                                  <p:childTnLst>
+                                    <p:set>
+                                      <p:cBhvr>
+                                        <p:cTn id="10" dur="1" fill="hold">
+                                          <p:stCondLst>
+                                            <p:cond delay="0"/>
+                                          </p:stCondLst>
+                                        </p:cTn>
+                                        <p:tgtEl>
+                                          <p:spTgt spid="274"/>
+                                        </p:tgtEl>
+                                        <p:attrNameLst>
+                                          <p:attrName>style.visibility</p:attrName>
+                                        </p:attrNameLst>
+                                      </p:cBhvr>
+                                      <p:to>
+                                        <p:strVal val="visible"/>
+                                      </p:to>
+                                    </p:set>
+                                  </p:childTnLst>
+                                </p:cTn>
+                              </p:par>
+                              <p:par>
+                                <p:cTn id="11" presetID="1" presetClass="entr" presetSubtype="0" fill="hold" grpId="0" nodeType="withEffect">
+                                  <p:stCondLst>
+                                    <p:cond delay="0"/>
+                                  </p:stCondLst>
+                                  <p:childTnLst>
+                                    <p:set>
+                                      <p:cBhvr>
+                                        <p:cTn id="12" dur="1" fill="hold">
+                                          <p:stCondLst>
+                                            <p:cond delay="0"/>
+                                          </p:stCondLst>
+                                        </p:cTn>
+                                        <p:tgtEl>
+                                          <p:spTgt spid="273"/>
+                                        </p:tgtEl>
+                                        <p:attrNameLst>
+                                          <p:attrName>style.visibility</p:attrName>
+                                        </p:attrNameLst>
+                                      </p:cBhvr>
+                                      <p:to>
+                                        <p:strVal val="visible"/>
+                                      </p:to>
+                                    </p:set>
+                                  </p:childTnLst>
+                                </p:cTn>
+                              </p:par>
+                            </p:childTnLst>
+                          </p:cTn>
+                        </p:par>
+                      </p:childTnLst>
+                    </p:cTn>
+                  </p:par>
+                  <p:par>
+                    <p:cTn id="13" fill="hold">
+                      <p:stCondLst>
+                        <p:cond delay="indefinite"/>
+                      </p:stCondLst>
+                      <p:childTnLst>
+                        <p:par>
+                          <p:cTn id="14" fill="hold">
+                            <p:stCondLst>
+                              <p:cond delay="0"/>
+                            </p:stCondLst>
+                            <p:childTnLst>
+                              <p:par>
+                                <p:cTn id="15" presetID="1" presetClass="entr" presetSubtype="0" fill="hold" grpId="0" nodeType="clickEffect">
+                                  <p:stCondLst>
+                                    <p:cond delay="0"/>
+                                  </p:stCondLst>
+                                  <p:childTnLst>
+                                    <p:set>
+                                      <p:cBhvr>
+                                        <p:cTn id="16" dur="1" fill="hold">
+                                          <p:stCondLst>
+                                            <p:cond delay="0"/>
+                                          </p:stCondLst>
+                                        </p:cTn>
+                                        <p:tgtEl>
+                                          <p:spTgt spid="279"/>
+                                        </p:tgtEl>
+                                        <p:attrNameLst>
+                                          <p:attrName>style.visibility</p:attrName>
+                                        </p:attrNameLst>
+                                      </p:cBhvr>
+                                      <p:to>
+                                        <p:strVal val="visible"/>
+                                      </p:to>
+                                    </p:set>
+                                  </p:childTnLst>
+                                </p:cTn>
+                              </p:par>
+                              <p:par>
+                                <p:cTn id="17" presetID="1" presetClass="entr" presetSubtype="0" fill="hold" nodeType="withEffect">
+                                  <p:stCondLst>
+                                    <p:cond delay="0"/>
+                                  </p:stCondLst>
+                                  <p:childTnLst>
+                                    <p:set>
+                                      <p:cBhvr>
+                                        <p:cTn id="18" dur="1" fill="hold">
+                                          <p:stCondLst>
+                                            <p:cond delay="0"/>
+                                          </p:stCondLst>
+                                        </p:cTn>
+                                        <p:tgtEl>
+                                          <p:spTgt spid="284"/>
+                                        </p:tgtEl>
+                                        <p:attrNameLst>
+                                          <p:attrName>style.visibility</p:attrName>
+                                        </p:attrNameLst>
+                                      </p:cBhvr>
+                                      <p:to>
+                                        <p:strVal val="visible"/>
+                                      </p:to>
+                                    </p:set>
+                                  </p:childTnLst>
+                                </p:cTn>
+                              </p:par>
+                              <p:par>
+                                <p:cTn id="19" presetID="1" presetClass="entr" presetSubtype="0" fill="hold" grpId="0" nodeType="withEffect">
+                                  <p:stCondLst>
+                                    <p:cond delay="0"/>
+                                  </p:stCondLst>
+                                  <p:childTnLst>
+                                    <p:set>
+                                      <p:cBhvr>
+                                        <p:cTn id="20" dur="1" fill="hold">
+                                          <p:stCondLst>
+                                            <p:cond delay="0"/>
+                                          </p:stCondLst>
+                                        </p:cTn>
+                                        <p:tgtEl>
+                                          <p:spTgt spid="275"/>
+                                        </p:tgtEl>
+                                        <p:attrNameLst>
+                                          <p:attrName>style.visibility</p:attrName>
+                                        </p:attrNameLst>
+                                      </p:cBhvr>
+                                      <p:to>
+                                        <p:strVal val="visible"/>
+                                      </p:to>
+                                    </p:set>
+                                  </p:childTnLst>
+                                </p:cTn>
+                              </p:par>
+                              <p:par>
+                                <p:cTn id="21" presetID="1" presetClass="entr" presetSubtype="0" fill="hold" nodeType="withEffect">
+                                  <p:stCondLst>
+                                    <p:cond delay="0"/>
+                                  </p:stCondLst>
+                                  <p:childTnLst>
+                                    <p:set>
+                                      <p:cBhvr>
+                                        <p:cTn id="22" dur="1" fill="hold">
+                                          <p:stCondLst>
+                                            <p:cond delay="0"/>
+                                          </p:stCondLst>
+                                        </p:cTn>
+                                        <p:tgtEl>
+                                          <p:spTgt spid="277"/>
+                                        </p:tgtEl>
+                                        <p:attrNameLst>
+                                          <p:attrName>style.visibility</p:attrName>
+                                        </p:attrNameLst>
+                                      </p:cBhvr>
+                                      <p:to>
+                                        <p:strVal val="visible"/>
+                                      </p:to>
+                                    </p:set>
+                                  </p:childTnLst>
+                                </p:cTn>
+                              </p:par>
+                              <p:par>
+                                <p:cTn id="23" presetID="1" presetClass="entr" presetSubtype="0" fill="hold" grpId="0" nodeType="withEffect">
+                                  <p:stCondLst>
+                                    <p:cond delay="0"/>
+                                  </p:stCondLst>
+                                  <p:childTnLst>
+                                    <p:set>
+                                      <p:cBhvr>
+                                        <p:cTn id="24" dur="1" fill="hold">
+                                          <p:stCondLst>
+                                            <p:cond delay="0"/>
+                                          </p:stCondLst>
+                                        </p:cTn>
+                                        <p:tgtEl>
+                                          <p:spTgt spid="278"/>
+                                        </p:tgtEl>
+                                        <p:attrNameLst>
+                                          <p:attrName>style.visibility</p:attrName>
+                                        </p:attrNameLst>
+                                      </p:cBhvr>
+                                      <p:to>
+                                        <p:strVal val="visible"/>
+                                      </p:to>
+                                    </p:set>
+                                  </p:childTnLst>
+                                </p:cTn>
+                              </p:par>
+                              <p:par>
+                                <p:cTn id="25" presetID="1" presetClass="entr" presetSubtype="0" fill="hold" nodeType="withEffect">
+                                  <p:stCondLst>
+                                    <p:cond delay="0"/>
+                                  </p:stCondLst>
+                                  <p:childTnLst>
+                                    <p:set>
+                                      <p:cBhvr>
+                                        <p:cTn id="26" dur="1" fill="hold">
+                                          <p:stCondLst>
+                                            <p:cond delay="0"/>
+                                          </p:stCondLst>
+                                        </p:cTn>
+                                        <p:tgtEl>
+                                          <p:spTgt spid="283"/>
+                                        </p:tgtEl>
+                                        <p:attrNameLst>
+                                          <p:attrName>style.visibility</p:attrName>
+                                        </p:attrNameLst>
+                                      </p:cBhvr>
+                                      <p:to>
+                                        <p:strVal val="visible"/>
+                                      </p:to>
+                                    </p:set>
+                                  </p:childTnLst>
+                                </p:cTn>
+                              </p:par>
+                            </p:childTnLst>
+                          </p:cTn>
+                        </p:par>
+                      </p:childTnLst>
+                    </p:cTn>
+                  </p:par>
+                  <p:par>
+                    <p:cTn id="27" fill="hold">
+                      <p:stCondLst>
+                        <p:cond delay="indefinite"/>
+                      </p:stCondLst>
+                      <p:childTnLst>
+                        <p:par>
+                          <p:cTn id="28" fill="hold">
+                            <p:stCondLst>
+                              <p:cond delay="0"/>
+                            </p:stCondLst>
+                            <p:childTnLst>
+                              <p:par>
+                                <p:cTn id="29" presetID="1" presetClass="entr" presetSubtype="0" fill="hold" grpId="0" nodeType="clickEffect">
+                                  <p:stCondLst>
+                                    <p:cond delay="0"/>
+                                  </p:stCondLst>
+                                  <p:childTnLst>
+                                    <p:set>
+                                      <p:cBhvr>
+                                        <p:cTn id="30" dur="1" fill="hold">
+                                          <p:stCondLst>
+                                            <p:cond delay="0"/>
+                                          </p:stCondLst>
+                                        </p:cTn>
+                                        <p:tgtEl>
+                                          <p:spTgt spid="285"/>
+                                        </p:tgtEl>
+                                        <p:attrNameLst>
+                                          <p:attrName>style.visibility</p:attrName>
+                                        </p:attrNameLst>
+                                      </p:cBhvr>
+                                      <p:to>
+                                        <p:strVal val="visible"/>
+                                      </p:to>
+                                    </p:set>
+                                  </p:childTnLst>
+                                </p:cTn>
+                              </p:par>
+                            </p:childTnLst>
+                          </p:cTn>
+                        </p:par>
+                      </p:childTnLst>
+                    </p:cTn>
+                  </p:par>
+                </p:childTnLst>
+              </p:cTn>
+              <p:prevCondLst>
+                <p:cond evt="onPrev" delay="0">
+                  <p:tgtEl>
+                    <p:sldTgt/>
+                  </p:tgtEl>
+                </p:cond>
+              </p:prevCondLst>
+              <p:nextCondLst>
+                <p:cond evt="onNext" delay="0">
+                  <p:tgtEl>
+                    <p:sldTgt/>
+                  </p:tgtEl>
+                </p:cond>
+              </p:nextCondLst>
+            </p:seq>
+          </p:childTnLst>
+        </p:cTn>
+      </p:par>
+    </p:tnLst>
+    <p:bldLst>
+      <p:bldP spid="273" grpId="0" animBg="1"/>
+      <p:bldP spid="274" grpId="0" animBg="1"/>
+      <p:bldP spid="275" grpId="0" animBg="1"/>
+      <p:bldP spid="278" grpId="0" animBg="1"/>
+      <p:bldP spid="279" grpId="0" animBg="1"/>
+      <p:bldP spid="285" grpId="0" animBg="1"/>
+    </p:bldLst>
+  </p:timing>
 </p:sld>
 </file>
 
